--- a/mid-term review/OChat_one_slider.pptx
+++ b/mid-term review/OChat_one_slider.pptx
@@ -2982,19 +2982,14 @@
             <a:noAutofit/>
           </a:bodyPr>
           <a:p>
+            <a:pPr algn="ctr"/>
             <a:r>
-              <a:rPr b="0" lang="fi-FI" sz="2400" spc="-1" strike="noStrike">
-                <a:solidFill>
-                  <a:srgbClr val="000000"/>
-                </a:solidFill>
+              <a:rPr b="0" lang="en-US" sz="4400" spc="-1" strike="noStrike">
                 <a:latin typeface="Arial"/>
               </a:rPr>
               <a:t>Click to move the slide</a:t>
             </a:r>
-            <a:endParaRPr b="0" lang="fi-FI" sz="2400" spc="-1" strike="noStrike">
-              <a:solidFill>
-                <a:srgbClr val="000000"/>
-              </a:solidFill>
+            <a:endParaRPr b="0" lang="en-US" sz="4400" spc="-1" strike="noStrike">
               <a:latin typeface="Arial"/>
             </a:endParaRPr>
           </a:p>
@@ -3227,7 +3222,7 @@
             <a:pPr indent="0" algn="r">
               <a:buNone/>
             </a:pPr>
-            <a:fld id="{6F6F5CE4-004D-4A79-9344-18D681F5995B}" type="slidenum">
+            <a:fld id="{4B5C6F74-2DDD-45DC-8094-899A55F9144C}" type="slidenum">
               <a:rPr b="0" lang="en-US" sz="1400" spc="-1" strike="noStrike">
                 <a:latin typeface="Times New Roman"/>
               </a:rPr>
@@ -3264,7 +3259,7 @@
       </p:grpSpPr>
       <p:sp>
         <p:nvSpPr>
-          <p:cNvPr id="57" name="PlaceHolder 1"/>
+          <p:cNvPr id="56" name="PlaceHolder 1"/>
           <p:cNvSpPr>
             <a:spLocks noGrp="1"/>
           </p:cNvSpPr>
@@ -3275,7 +3270,7 @@
         <p:spPr>
           <a:xfrm>
             <a:off x="1143000" y="685800"/>
-            <a:ext cx="4571640" cy="3428640"/>
+            <a:ext cx="4571280" cy="3428280"/>
           </a:xfrm>
           <a:prstGeom prst="rect">
             <a:avLst/>
@@ -3287,7 +3282,7 @@
       </p:sp>
       <p:sp>
         <p:nvSpPr>
-          <p:cNvPr id="58" name="PlaceHolder 2"/>
+          <p:cNvPr id="57" name="PlaceHolder 2"/>
           <p:cNvSpPr>
             <a:spLocks noGrp="1"/>
           </p:cNvSpPr>
@@ -3298,7 +3293,7 @@
         <p:spPr>
           <a:xfrm>
             <a:off x="685800" y="4343400"/>
-            <a:ext cx="5486040" cy="4114440"/>
+            <a:ext cx="5485680" cy="4114080"/>
           </a:xfrm>
           <a:prstGeom prst="rect">
             <a:avLst/>
@@ -3309,7 +3304,7 @@
           </a:ln>
         </p:spPr>
         <p:txBody>
-          <a:bodyPr numCol="1" spcCol="0" anchor="t">
+          <a:bodyPr numCol="1" spcCol="0" lIns="0" rIns="0" tIns="0" bIns="0" anchor="t">
             <a:noAutofit/>
           </a:bodyPr>
           <a:p>
@@ -3324,7 +3319,7 @@
       </p:sp>
       <p:sp>
         <p:nvSpPr>
-          <p:cNvPr id="59" name="PlaceHolder 3"/>
+          <p:cNvPr id="58" name="PlaceHolder 3"/>
           <p:cNvSpPr>
             <a:spLocks noGrp="1"/>
           </p:cNvSpPr>
@@ -3335,7 +3330,7 @@
         <p:spPr>
           <a:xfrm>
             <a:off x="3884760" y="8685360"/>
-            <a:ext cx="2971440" cy="456840"/>
+            <a:ext cx="2971080" cy="456480"/>
           </a:xfrm>
           <a:prstGeom prst="rect">
             <a:avLst/>
@@ -3346,7 +3341,7 @@
           </a:ln>
         </p:spPr>
         <p:txBody>
-          <a:bodyPr numCol="1" spcCol="0" anchor="b">
+          <a:bodyPr numCol="1" spcCol="0" lIns="0" rIns="0" tIns="0" bIns="0" anchor="b">
             <a:noAutofit/>
           </a:bodyPr>
           <a:lstStyle>
@@ -3355,6 +3350,9 @@
                 <a:spcPct val="100000"/>
               </a:lnSpc>
               <a:buNone/>
+              <a:tabLst>
+                <a:tab algn="l" pos="0"/>
+              </a:tabLst>
               <a:defRPr b="0" lang="en-GB" sz="800" spc="-1" strike="noStrike">
                 <a:latin typeface="Times New Roman"/>
               </a:defRPr>
@@ -3366,8 +3364,11 @@
                 <a:spcPct val="100000"/>
               </a:lnSpc>
               <a:buNone/>
+              <a:tabLst>
+                <a:tab algn="l" pos="0"/>
+              </a:tabLst>
             </a:pPr>
-            <a:fld id="{32BAEE79-93CD-4AC6-915C-3E904F8C2D29}" type="slidenum">
+            <a:fld id="{876C4394-561C-4187-994E-E274EAB116F1}" type="slidenum">
               <a:rPr b="0" lang="en-GB" sz="800" spc="-1" strike="noStrike">
                 <a:latin typeface="Times New Roman"/>
               </a:rPr>
@@ -3408,7 +3409,7 @@
             <a:spLocks noGrp="1"/>
           </p:cNvSpPr>
           <p:nvPr>
-            <p:ph type="ftr" idx="2"/>
+            <p:ph type="ftr" idx="1"/>
           </p:nvPr>
         </p:nvSpPr>
         <p:spPr/>
@@ -3428,14 +3429,14 @@
             <a:spLocks noGrp="1"/>
           </p:cNvSpPr>
           <p:nvPr>
-            <p:ph type="sldNum" idx="3"/>
+            <p:ph type="sldNum" idx="2"/>
           </p:nvPr>
         </p:nvSpPr>
         <p:spPr/>
         <p:txBody>
           <a:bodyPr/>
           <a:p>
-            <a:fld id="{C3A4ACED-25ED-49C3-A753-B8F7584C9A49}" type="slidenum">
+            <a:fld id="{CCA0088E-B5EF-496F-B2E3-C8D656F19878}" type="slidenum">
               <a:t>&lt;#&gt;</a:t>
             </a:fld>
           </a:p>
@@ -3448,7 +3449,7 @@
             <a:spLocks noGrp="1"/>
           </p:cNvSpPr>
           <p:nvPr>
-            <p:ph type="dt" idx="1"/>
+            <p:ph type="dt" idx="3"/>
           </p:nvPr>
         </p:nvSpPr>
         <p:spPr/>
@@ -3496,8 +3497,8 @@
         </p:nvSpPr>
         <p:spPr>
           <a:xfrm>
-            <a:off x="1547640" y="802440"/>
-            <a:ext cx="7291080" cy="970200"/>
+            <a:off x="457200" y="273600"/>
+            <a:ext cx="8229240" cy="1144800"/>
           </a:xfrm>
           <a:prstGeom prst="rect">
             <a:avLst/>
@@ -3512,13 +3513,10 @@
             <a:noAutofit/>
           </a:bodyPr>
           <a:p>
-            <a:pPr indent="0">
+            <a:pPr indent="0" algn="ctr">
               <a:buNone/>
             </a:pPr>
-            <a:endParaRPr b="0" lang="fi-FI" sz="2400" spc="-1" strike="noStrike">
-              <a:solidFill>
-                <a:srgbClr val="000000"/>
-              </a:solidFill>
+            <a:endParaRPr b="0" lang="en-US" sz="4400" spc="-1" strike="noStrike">
               <a:latin typeface="Arial"/>
             </a:endParaRPr>
           </a:p>
@@ -3536,8 +3534,8 @@
         </p:nvSpPr>
         <p:spPr>
           <a:xfrm>
-            <a:off x="579600" y="2205000"/>
-            <a:ext cx="8271720" cy="1854360"/>
+            <a:off x="457200" y="1604520"/>
+            <a:ext cx="8229240" cy="1896840"/>
           </a:xfrm>
           <a:prstGeom prst="rect">
             <a:avLst/>
@@ -3558,10 +3556,7 @@
               </a:spcBef>
               <a:buNone/>
             </a:pPr>
-            <a:endParaRPr b="0" lang="fi-FI" sz="1650" spc="-1" strike="noStrike">
-              <a:solidFill>
-                <a:srgbClr val="000000"/>
-              </a:solidFill>
+            <a:endParaRPr b="0" lang="en-US" sz="3200" spc="-1" strike="noStrike">
               <a:latin typeface="Arial"/>
             </a:endParaRPr>
           </a:p>
@@ -3579,8 +3574,8 @@
         </p:nvSpPr>
         <p:spPr>
           <a:xfrm>
-            <a:off x="579600" y="4235760"/>
-            <a:ext cx="8271720" cy="1854360"/>
+            <a:off x="457200" y="3682080"/>
+            <a:ext cx="8229240" cy="1896840"/>
           </a:xfrm>
           <a:prstGeom prst="rect">
             <a:avLst/>
@@ -3601,10 +3596,7 @@
               </a:spcBef>
               <a:buNone/>
             </a:pPr>
-            <a:endParaRPr b="0" lang="fi-FI" sz="1650" spc="-1" strike="noStrike">
-              <a:solidFill>
-                <a:srgbClr val="000000"/>
-              </a:solidFill>
+            <a:endParaRPr b="0" lang="en-US" sz="3200" spc="-1" strike="noStrike">
               <a:latin typeface="Arial"/>
             </a:endParaRPr>
           </a:p>
@@ -3617,7 +3609,7 @@
             <a:spLocks noGrp="1"/>
           </p:cNvSpPr>
           <p:nvPr>
-            <p:ph type="ftr" idx="2"/>
+            <p:ph type="ftr" idx="1"/>
           </p:nvPr>
         </p:nvSpPr>
         <p:spPr/>
@@ -3637,14 +3629,14 @@
             <a:spLocks noGrp="1"/>
           </p:cNvSpPr>
           <p:nvPr>
-            <p:ph type="sldNum" idx="3"/>
+            <p:ph type="sldNum" idx="2"/>
           </p:nvPr>
         </p:nvSpPr>
         <p:spPr/>
         <p:txBody>
           <a:bodyPr/>
           <a:p>
-            <a:fld id="{86BA1EF5-3B8F-4904-8A86-5E21AF33F26A}" type="slidenum">
+            <a:fld id="{55E24DF2-228C-42ED-B6A8-A06EE636C1AA}" type="slidenum">
               <a:t>&lt;#&gt;</a:t>
             </a:fld>
           </a:p>
@@ -3657,7 +3649,7 @@
             <a:spLocks noGrp="1"/>
           </p:cNvSpPr>
           <p:nvPr>
-            <p:ph type="dt" idx="1"/>
+            <p:ph type="dt" idx="3"/>
           </p:nvPr>
         </p:nvSpPr>
         <p:spPr/>
@@ -3705,8 +3697,8 @@
         </p:nvSpPr>
         <p:spPr>
           <a:xfrm>
-            <a:off x="1547640" y="802440"/>
-            <a:ext cx="7291080" cy="970200"/>
+            <a:off x="457200" y="273600"/>
+            <a:ext cx="8229240" cy="1144800"/>
           </a:xfrm>
           <a:prstGeom prst="rect">
             <a:avLst/>
@@ -3721,13 +3713,10 @@
             <a:noAutofit/>
           </a:bodyPr>
           <a:p>
-            <a:pPr indent="0">
+            <a:pPr indent="0" algn="ctr">
               <a:buNone/>
             </a:pPr>
-            <a:endParaRPr b="0" lang="fi-FI" sz="2400" spc="-1" strike="noStrike">
-              <a:solidFill>
-                <a:srgbClr val="000000"/>
-              </a:solidFill>
+            <a:endParaRPr b="0" lang="en-US" sz="4400" spc="-1" strike="noStrike">
               <a:latin typeface="Arial"/>
             </a:endParaRPr>
           </a:p>
@@ -3745,8 +3734,8 @@
         </p:nvSpPr>
         <p:spPr>
           <a:xfrm>
-            <a:off x="579600" y="2205000"/>
-            <a:ext cx="4036320" cy="1854360"/>
+            <a:off x="457200" y="1604520"/>
+            <a:ext cx="4015800" cy="1896840"/>
           </a:xfrm>
           <a:prstGeom prst="rect">
             <a:avLst/>
@@ -3767,10 +3756,7 @@
               </a:spcBef>
               <a:buNone/>
             </a:pPr>
-            <a:endParaRPr b="0" lang="fi-FI" sz="1650" spc="-1" strike="noStrike">
-              <a:solidFill>
-                <a:srgbClr val="000000"/>
-              </a:solidFill>
+            <a:endParaRPr b="0" lang="en-US" sz="3200" spc="-1" strike="noStrike">
               <a:latin typeface="Arial"/>
             </a:endParaRPr>
           </a:p>
@@ -3788,8 +3774,8 @@
         </p:nvSpPr>
         <p:spPr>
           <a:xfrm>
-            <a:off x="4818240" y="2205000"/>
-            <a:ext cx="4036320" cy="1854360"/>
+            <a:off x="4674240" y="1604520"/>
+            <a:ext cx="4015800" cy="1896840"/>
           </a:xfrm>
           <a:prstGeom prst="rect">
             <a:avLst/>
@@ -3810,10 +3796,7 @@
               </a:spcBef>
               <a:buNone/>
             </a:pPr>
-            <a:endParaRPr b="0" lang="fi-FI" sz="1650" spc="-1" strike="noStrike">
-              <a:solidFill>
-                <a:srgbClr val="000000"/>
-              </a:solidFill>
+            <a:endParaRPr b="0" lang="en-US" sz="3200" spc="-1" strike="noStrike">
               <a:latin typeface="Arial"/>
             </a:endParaRPr>
           </a:p>
@@ -3831,8 +3814,8 @@
         </p:nvSpPr>
         <p:spPr>
           <a:xfrm>
-            <a:off x="579600" y="4235760"/>
-            <a:ext cx="4036320" cy="1854360"/>
+            <a:off x="457200" y="3682080"/>
+            <a:ext cx="4015800" cy="1896840"/>
           </a:xfrm>
           <a:prstGeom prst="rect">
             <a:avLst/>
@@ -3853,10 +3836,7 @@
               </a:spcBef>
               <a:buNone/>
             </a:pPr>
-            <a:endParaRPr b="0" lang="fi-FI" sz="1650" spc="-1" strike="noStrike">
-              <a:solidFill>
-                <a:srgbClr val="000000"/>
-              </a:solidFill>
+            <a:endParaRPr b="0" lang="en-US" sz="3200" spc="-1" strike="noStrike">
               <a:latin typeface="Arial"/>
             </a:endParaRPr>
           </a:p>
@@ -3874,8 +3854,8 @@
         </p:nvSpPr>
         <p:spPr>
           <a:xfrm>
-            <a:off x="4818240" y="4235760"/>
-            <a:ext cx="4036320" cy="1854360"/>
+            <a:off x="4674240" y="3682080"/>
+            <a:ext cx="4015800" cy="1896840"/>
           </a:xfrm>
           <a:prstGeom prst="rect">
             <a:avLst/>
@@ -3896,10 +3876,7 @@
               </a:spcBef>
               <a:buNone/>
             </a:pPr>
-            <a:endParaRPr b="0" lang="fi-FI" sz="1650" spc="-1" strike="noStrike">
-              <a:solidFill>
-                <a:srgbClr val="000000"/>
-              </a:solidFill>
+            <a:endParaRPr b="0" lang="en-US" sz="3200" spc="-1" strike="noStrike">
               <a:latin typeface="Arial"/>
             </a:endParaRPr>
           </a:p>
@@ -3912,7 +3889,7 @@
             <a:spLocks noGrp="1"/>
           </p:cNvSpPr>
           <p:nvPr>
-            <p:ph type="ftr" idx="2"/>
+            <p:ph type="ftr" idx="1"/>
           </p:nvPr>
         </p:nvSpPr>
         <p:spPr/>
@@ -3932,14 +3909,14 @@
             <a:spLocks noGrp="1"/>
           </p:cNvSpPr>
           <p:nvPr>
-            <p:ph type="sldNum" idx="3"/>
+            <p:ph type="sldNum" idx="2"/>
           </p:nvPr>
         </p:nvSpPr>
         <p:spPr/>
         <p:txBody>
           <a:bodyPr/>
           <a:p>
-            <a:fld id="{803B3D36-67D5-4930-BFEC-4437067E4B54}" type="slidenum">
+            <a:fld id="{E5105D8E-83FF-452B-A7E9-B466F264A405}" type="slidenum">
               <a:t>&lt;#&gt;</a:t>
             </a:fld>
           </a:p>
@@ -3952,7 +3929,7 @@
             <a:spLocks noGrp="1"/>
           </p:cNvSpPr>
           <p:nvPr>
-            <p:ph type="dt" idx="1"/>
+            <p:ph type="dt" idx="3"/>
           </p:nvPr>
         </p:nvSpPr>
         <p:spPr/>
@@ -4000,8 +3977,8 @@
         </p:nvSpPr>
         <p:spPr>
           <a:xfrm>
-            <a:off x="1547640" y="802440"/>
-            <a:ext cx="7291080" cy="970200"/>
+            <a:off x="457200" y="273600"/>
+            <a:ext cx="8229240" cy="1144800"/>
           </a:xfrm>
           <a:prstGeom prst="rect">
             <a:avLst/>
@@ -4016,13 +3993,10 @@
             <a:noAutofit/>
           </a:bodyPr>
           <a:p>
-            <a:pPr indent="0">
+            <a:pPr indent="0" algn="ctr">
               <a:buNone/>
             </a:pPr>
-            <a:endParaRPr b="0" lang="fi-FI" sz="2400" spc="-1" strike="noStrike">
-              <a:solidFill>
-                <a:srgbClr val="000000"/>
-              </a:solidFill>
+            <a:endParaRPr b="0" lang="en-US" sz="4400" spc="-1" strike="noStrike">
               <a:latin typeface="Arial"/>
             </a:endParaRPr>
           </a:p>
@@ -4040,8 +4014,8 @@
         </p:nvSpPr>
         <p:spPr>
           <a:xfrm>
-            <a:off x="579600" y="2205000"/>
-            <a:ext cx="2663280" cy="1854360"/>
+            <a:off x="457200" y="1604520"/>
+            <a:ext cx="2649600" cy="1896840"/>
           </a:xfrm>
           <a:prstGeom prst="rect">
             <a:avLst/>
@@ -4062,10 +4036,7 @@
               </a:spcBef>
               <a:buNone/>
             </a:pPr>
-            <a:endParaRPr b="0" lang="fi-FI" sz="1650" spc="-1" strike="noStrike">
-              <a:solidFill>
-                <a:srgbClr val="000000"/>
-              </a:solidFill>
+            <a:endParaRPr b="0" lang="en-US" sz="3200" spc="-1" strike="noStrike">
               <a:latin typeface="Arial"/>
             </a:endParaRPr>
           </a:p>
@@ -4083,8 +4054,8 @@
         </p:nvSpPr>
         <p:spPr>
           <a:xfrm>
-            <a:off x="3376440" y="2205000"/>
-            <a:ext cx="2663280" cy="1854360"/>
+            <a:off x="3239640" y="1604520"/>
+            <a:ext cx="2649600" cy="1896840"/>
           </a:xfrm>
           <a:prstGeom prst="rect">
             <a:avLst/>
@@ -4105,10 +4076,7 @@
               </a:spcBef>
               <a:buNone/>
             </a:pPr>
-            <a:endParaRPr b="0" lang="fi-FI" sz="1650" spc="-1" strike="noStrike">
-              <a:solidFill>
-                <a:srgbClr val="000000"/>
-              </a:solidFill>
+            <a:endParaRPr b="0" lang="en-US" sz="3200" spc="-1" strike="noStrike">
               <a:latin typeface="Arial"/>
             </a:endParaRPr>
           </a:p>
@@ -4126,8 +4094,8 @@
         </p:nvSpPr>
         <p:spPr>
           <a:xfrm>
-            <a:off x="6173280" y="2205000"/>
-            <a:ext cx="2663280" cy="1854360"/>
+            <a:off x="6022080" y="1604520"/>
+            <a:ext cx="2649600" cy="1896840"/>
           </a:xfrm>
           <a:prstGeom prst="rect">
             <a:avLst/>
@@ -4148,10 +4116,7 @@
               </a:spcBef>
               <a:buNone/>
             </a:pPr>
-            <a:endParaRPr b="0" lang="fi-FI" sz="1650" spc="-1" strike="noStrike">
-              <a:solidFill>
-                <a:srgbClr val="000000"/>
-              </a:solidFill>
+            <a:endParaRPr b="0" lang="en-US" sz="3200" spc="-1" strike="noStrike">
               <a:latin typeface="Arial"/>
             </a:endParaRPr>
           </a:p>
@@ -4169,8 +4134,8 @@
         </p:nvSpPr>
         <p:spPr>
           <a:xfrm>
-            <a:off x="579600" y="4235760"/>
-            <a:ext cx="2663280" cy="1854360"/>
+            <a:off x="457200" y="3682080"/>
+            <a:ext cx="2649600" cy="1896840"/>
           </a:xfrm>
           <a:prstGeom prst="rect">
             <a:avLst/>
@@ -4191,10 +4156,7 @@
               </a:spcBef>
               <a:buNone/>
             </a:pPr>
-            <a:endParaRPr b="0" lang="fi-FI" sz="1650" spc="-1" strike="noStrike">
-              <a:solidFill>
-                <a:srgbClr val="000000"/>
-              </a:solidFill>
+            <a:endParaRPr b="0" lang="en-US" sz="3200" spc="-1" strike="noStrike">
               <a:latin typeface="Arial"/>
             </a:endParaRPr>
           </a:p>
@@ -4212,8 +4174,8 @@
         </p:nvSpPr>
         <p:spPr>
           <a:xfrm>
-            <a:off x="3376440" y="4235760"/>
-            <a:ext cx="2663280" cy="1854360"/>
+            <a:off x="3239640" y="3682080"/>
+            <a:ext cx="2649600" cy="1896840"/>
           </a:xfrm>
           <a:prstGeom prst="rect">
             <a:avLst/>
@@ -4234,10 +4196,7 @@
               </a:spcBef>
               <a:buNone/>
             </a:pPr>
-            <a:endParaRPr b="0" lang="fi-FI" sz="1650" spc="-1" strike="noStrike">
-              <a:solidFill>
-                <a:srgbClr val="000000"/>
-              </a:solidFill>
+            <a:endParaRPr b="0" lang="en-US" sz="3200" spc="-1" strike="noStrike">
               <a:latin typeface="Arial"/>
             </a:endParaRPr>
           </a:p>
@@ -4255,8 +4214,8 @@
         </p:nvSpPr>
         <p:spPr>
           <a:xfrm>
-            <a:off x="6173280" y="4235760"/>
-            <a:ext cx="2663280" cy="1854360"/>
+            <a:off x="6022080" y="3682080"/>
+            <a:ext cx="2649600" cy="1896840"/>
           </a:xfrm>
           <a:prstGeom prst="rect">
             <a:avLst/>
@@ -4277,10 +4236,7 @@
               </a:spcBef>
               <a:buNone/>
             </a:pPr>
-            <a:endParaRPr b="0" lang="fi-FI" sz="1650" spc="-1" strike="noStrike">
-              <a:solidFill>
-                <a:srgbClr val="000000"/>
-              </a:solidFill>
+            <a:endParaRPr b="0" lang="en-US" sz="3200" spc="-1" strike="noStrike">
               <a:latin typeface="Arial"/>
             </a:endParaRPr>
           </a:p>
@@ -4293,7 +4249,7 @@
             <a:spLocks noGrp="1"/>
           </p:cNvSpPr>
           <p:nvPr>
-            <p:ph type="ftr" idx="2"/>
+            <p:ph type="ftr" idx="1"/>
           </p:nvPr>
         </p:nvSpPr>
         <p:spPr/>
@@ -4313,14 +4269,14 @@
             <a:spLocks noGrp="1"/>
           </p:cNvSpPr>
           <p:nvPr>
-            <p:ph type="sldNum" idx="3"/>
+            <p:ph type="sldNum" idx="2"/>
           </p:nvPr>
         </p:nvSpPr>
         <p:spPr/>
         <p:txBody>
           <a:bodyPr/>
           <a:p>
-            <a:fld id="{0A14F0E1-9BF9-4E19-9D27-8536232FD71F}" type="slidenum">
+            <a:fld id="{3E33DB4B-7FB1-4D81-8710-AD74D99D72C0}" type="slidenum">
               <a:t>&lt;#&gt;</a:t>
             </a:fld>
           </a:p>
@@ -4333,7 +4289,7 @@
             <a:spLocks noGrp="1"/>
           </p:cNvSpPr>
           <p:nvPr>
-            <p:ph type="dt" idx="1"/>
+            <p:ph type="dt" idx="3"/>
           </p:nvPr>
         </p:nvSpPr>
         <p:spPr/>
@@ -4381,8 +4337,8 @@
         </p:nvSpPr>
         <p:spPr>
           <a:xfrm>
-            <a:off x="1547640" y="802440"/>
-            <a:ext cx="7291080" cy="970200"/>
+            <a:off x="457200" y="273600"/>
+            <a:ext cx="8229240" cy="1144800"/>
           </a:xfrm>
           <a:prstGeom prst="rect">
             <a:avLst/>
@@ -4397,13 +4353,10 @@
             <a:noAutofit/>
           </a:bodyPr>
           <a:p>
-            <a:pPr indent="0">
+            <a:pPr indent="0" algn="ctr">
               <a:buNone/>
             </a:pPr>
-            <a:endParaRPr b="0" lang="fi-FI" sz="2400" spc="-1" strike="noStrike">
-              <a:solidFill>
-                <a:srgbClr val="000000"/>
-              </a:solidFill>
+            <a:endParaRPr b="0" lang="en-US" sz="4400" spc="-1" strike="noStrike">
               <a:latin typeface="Arial"/>
             </a:endParaRPr>
           </a:p>
@@ -4421,8 +4374,8 @@
         </p:nvSpPr>
         <p:spPr>
           <a:xfrm>
-            <a:off x="579600" y="2205000"/>
-            <a:ext cx="8271720" cy="3888000"/>
+            <a:off x="457200" y="1604520"/>
+            <a:ext cx="8229240" cy="3977280"/>
           </a:xfrm>
           <a:prstGeom prst="rect">
             <a:avLst/>
@@ -4453,7 +4406,7 @@
             <a:spLocks noGrp="1"/>
           </p:cNvSpPr>
           <p:nvPr>
-            <p:ph type="ftr" idx="2"/>
+            <p:ph type="ftr" idx="1"/>
           </p:nvPr>
         </p:nvSpPr>
         <p:spPr/>
@@ -4473,14 +4426,14 @@
             <a:spLocks noGrp="1"/>
           </p:cNvSpPr>
           <p:nvPr>
-            <p:ph type="sldNum" idx="3"/>
+            <p:ph type="sldNum" idx="2"/>
           </p:nvPr>
         </p:nvSpPr>
         <p:spPr/>
         <p:txBody>
           <a:bodyPr/>
           <a:p>
-            <a:fld id="{74DEC8F1-8DA5-4234-9996-1E573B792977}" type="slidenum">
+            <a:fld id="{A2631C25-573D-47CB-9B3E-20E642B62717}" type="slidenum">
               <a:t>&lt;#&gt;</a:t>
             </a:fld>
           </a:p>
@@ -4493,7 +4446,7 @@
             <a:spLocks noGrp="1"/>
           </p:cNvSpPr>
           <p:nvPr>
-            <p:ph type="dt" idx="1"/>
+            <p:ph type="dt" idx="3"/>
           </p:nvPr>
         </p:nvSpPr>
         <p:spPr/>
@@ -4541,8 +4494,8 @@
         </p:nvSpPr>
         <p:spPr>
           <a:xfrm>
-            <a:off x="1547640" y="802440"/>
-            <a:ext cx="7291080" cy="970200"/>
+            <a:off x="457200" y="273600"/>
+            <a:ext cx="8229240" cy="1144800"/>
           </a:xfrm>
           <a:prstGeom prst="rect">
             <a:avLst/>
@@ -4557,13 +4510,10 @@
             <a:noAutofit/>
           </a:bodyPr>
           <a:p>
-            <a:pPr indent="0">
+            <a:pPr indent="0" algn="ctr">
               <a:buNone/>
             </a:pPr>
-            <a:endParaRPr b="0" lang="fi-FI" sz="2400" spc="-1" strike="noStrike">
-              <a:solidFill>
-                <a:srgbClr val="000000"/>
-              </a:solidFill>
+            <a:endParaRPr b="0" lang="en-US" sz="4400" spc="-1" strike="noStrike">
               <a:latin typeface="Arial"/>
             </a:endParaRPr>
           </a:p>
@@ -4581,8 +4531,8 @@
         </p:nvSpPr>
         <p:spPr>
           <a:xfrm>
-            <a:off x="579600" y="2205000"/>
-            <a:ext cx="8271720" cy="3888000"/>
+            <a:off x="457200" y="1604520"/>
+            <a:ext cx="8229240" cy="3977280"/>
           </a:xfrm>
           <a:prstGeom prst="rect">
             <a:avLst/>
@@ -4603,10 +4553,7 @@
               </a:spcBef>
               <a:buNone/>
             </a:pPr>
-            <a:endParaRPr b="0" lang="fi-FI" sz="1650" spc="-1" strike="noStrike">
-              <a:solidFill>
-                <a:srgbClr val="000000"/>
-              </a:solidFill>
+            <a:endParaRPr b="0" lang="en-US" sz="3200" spc="-1" strike="noStrike">
               <a:latin typeface="Arial"/>
             </a:endParaRPr>
           </a:p>
@@ -4619,7 +4566,7 @@
             <a:spLocks noGrp="1"/>
           </p:cNvSpPr>
           <p:nvPr>
-            <p:ph type="ftr" idx="2"/>
+            <p:ph type="ftr" idx="1"/>
           </p:nvPr>
         </p:nvSpPr>
         <p:spPr/>
@@ -4639,14 +4586,14 @@
             <a:spLocks noGrp="1"/>
           </p:cNvSpPr>
           <p:nvPr>
-            <p:ph type="sldNum" idx="3"/>
+            <p:ph type="sldNum" idx="2"/>
           </p:nvPr>
         </p:nvSpPr>
         <p:spPr/>
         <p:txBody>
           <a:bodyPr/>
           <a:p>
-            <a:fld id="{D201D4A8-5647-4A11-AC78-C37CD79D6206}" type="slidenum">
+            <a:fld id="{2CAA3B47-D0AA-41E6-8C04-0E0EF6B9FAA9}" type="slidenum">
               <a:t>&lt;#&gt;</a:t>
             </a:fld>
           </a:p>
@@ -4659,7 +4606,7 @@
             <a:spLocks noGrp="1"/>
           </p:cNvSpPr>
           <p:nvPr>
-            <p:ph type="dt" idx="1"/>
+            <p:ph type="dt" idx="3"/>
           </p:nvPr>
         </p:nvSpPr>
         <p:spPr/>
@@ -4707,8 +4654,8 @@
         </p:nvSpPr>
         <p:spPr>
           <a:xfrm>
-            <a:off x="1547640" y="802440"/>
-            <a:ext cx="7291080" cy="970200"/>
+            <a:off x="457200" y="273600"/>
+            <a:ext cx="8229240" cy="1144800"/>
           </a:xfrm>
           <a:prstGeom prst="rect">
             <a:avLst/>
@@ -4723,13 +4670,10 @@
             <a:noAutofit/>
           </a:bodyPr>
           <a:p>
-            <a:pPr indent="0">
+            <a:pPr indent="0" algn="ctr">
               <a:buNone/>
             </a:pPr>
-            <a:endParaRPr b="0" lang="fi-FI" sz="2400" spc="-1" strike="noStrike">
-              <a:solidFill>
-                <a:srgbClr val="000000"/>
-              </a:solidFill>
+            <a:endParaRPr b="0" lang="en-US" sz="4400" spc="-1" strike="noStrike">
               <a:latin typeface="Arial"/>
             </a:endParaRPr>
           </a:p>
@@ -4747,8 +4691,8 @@
         </p:nvSpPr>
         <p:spPr>
           <a:xfrm>
-            <a:off x="579600" y="2205000"/>
-            <a:ext cx="4036320" cy="3888000"/>
+            <a:off x="457200" y="1604520"/>
+            <a:ext cx="4015800" cy="3977280"/>
           </a:xfrm>
           <a:prstGeom prst="rect">
             <a:avLst/>
@@ -4769,10 +4713,7 @@
               </a:spcBef>
               <a:buNone/>
             </a:pPr>
-            <a:endParaRPr b="0" lang="fi-FI" sz="1650" spc="-1" strike="noStrike">
-              <a:solidFill>
-                <a:srgbClr val="000000"/>
-              </a:solidFill>
+            <a:endParaRPr b="0" lang="en-US" sz="3200" spc="-1" strike="noStrike">
               <a:latin typeface="Arial"/>
             </a:endParaRPr>
           </a:p>
@@ -4790,8 +4731,8 @@
         </p:nvSpPr>
         <p:spPr>
           <a:xfrm>
-            <a:off x="4818240" y="2205000"/>
-            <a:ext cx="4036320" cy="3888000"/>
+            <a:off x="4674240" y="1604520"/>
+            <a:ext cx="4015800" cy="3977280"/>
           </a:xfrm>
           <a:prstGeom prst="rect">
             <a:avLst/>
@@ -4812,10 +4753,7 @@
               </a:spcBef>
               <a:buNone/>
             </a:pPr>
-            <a:endParaRPr b="0" lang="fi-FI" sz="1650" spc="-1" strike="noStrike">
-              <a:solidFill>
-                <a:srgbClr val="000000"/>
-              </a:solidFill>
+            <a:endParaRPr b="0" lang="en-US" sz="3200" spc="-1" strike="noStrike">
               <a:latin typeface="Arial"/>
             </a:endParaRPr>
           </a:p>
@@ -4828,7 +4766,7 @@
             <a:spLocks noGrp="1"/>
           </p:cNvSpPr>
           <p:nvPr>
-            <p:ph type="ftr" idx="2"/>
+            <p:ph type="ftr" idx="1"/>
           </p:nvPr>
         </p:nvSpPr>
         <p:spPr/>
@@ -4848,14 +4786,14 @@
             <a:spLocks noGrp="1"/>
           </p:cNvSpPr>
           <p:nvPr>
-            <p:ph type="sldNum" idx="3"/>
+            <p:ph type="sldNum" idx="2"/>
           </p:nvPr>
         </p:nvSpPr>
         <p:spPr/>
         <p:txBody>
           <a:bodyPr/>
           <a:p>
-            <a:fld id="{FE6EEC87-2AE3-45B3-8651-EA0F58672EC2}" type="slidenum">
+            <a:fld id="{F84E1538-58F4-4116-930A-EB58E32332F0}" type="slidenum">
               <a:t>&lt;#&gt;</a:t>
             </a:fld>
           </a:p>
@@ -4868,7 +4806,7 @@
             <a:spLocks noGrp="1"/>
           </p:cNvSpPr>
           <p:nvPr>
-            <p:ph type="dt" idx="1"/>
+            <p:ph type="dt" idx="3"/>
           </p:nvPr>
         </p:nvSpPr>
         <p:spPr/>
@@ -4916,8 +4854,8 @@
         </p:nvSpPr>
         <p:spPr>
           <a:xfrm>
-            <a:off x="1547640" y="802440"/>
-            <a:ext cx="7291080" cy="970200"/>
+            <a:off x="457200" y="273600"/>
+            <a:ext cx="8229240" cy="1144800"/>
           </a:xfrm>
           <a:prstGeom prst="rect">
             <a:avLst/>
@@ -4932,13 +4870,10 @@
             <a:noAutofit/>
           </a:bodyPr>
           <a:p>
-            <a:pPr indent="0">
+            <a:pPr indent="0" algn="ctr">
               <a:buNone/>
             </a:pPr>
-            <a:endParaRPr b="0" lang="fi-FI" sz="2400" spc="-1" strike="noStrike">
-              <a:solidFill>
-                <a:srgbClr val="000000"/>
-              </a:solidFill>
+            <a:endParaRPr b="0" lang="en-US" sz="4400" spc="-1" strike="noStrike">
               <a:latin typeface="Arial"/>
             </a:endParaRPr>
           </a:p>
@@ -4951,7 +4886,7 @@
             <a:spLocks noGrp="1"/>
           </p:cNvSpPr>
           <p:nvPr>
-            <p:ph type="ftr" idx="2"/>
+            <p:ph type="ftr" idx="1"/>
           </p:nvPr>
         </p:nvSpPr>
         <p:spPr/>
@@ -4971,14 +4906,14 @@
             <a:spLocks noGrp="1"/>
           </p:cNvSpPr>
           <p:nvPr>
-            <p:ph type="sldNum" idx="3"/>
+            <p:ph type="sldNum" idx="2"/>
           </p:nvPr>
         </p:nvSpPr>
         <p:spPr/>
         <p:txBody>
           <a:bodyPr/>
           <a:p>
-            <a:fld id="{B6532137-D757-4F69-88C8-B69A9D6FC77E}" type="slidenum">
+            <a:fld id="{9CF3C30D-2116-438D-ACC0-D939EA4945C8}" type="slidenum">
               <a:t>&lt;#&gt;</a:t>
             </a:fld>
           </a:p>
@@ -4991,7 +4926,7 @@
             <a:spLocks noGrp="1"/>
           </p:cNvSpPr>
           <p:nvPr>
-            <p:ph type="dt" idx="1"/>
+            <p:ph type="dt" idx="3"/>
           </p:nvPr>
         </p:nvSpPr>
         <p:spPr/>
@@ -5039,8 +4974,8 @@
         </p:nvSpPr>
         <p:spPr>
           <a:xfrm>
-            <a:off x="1547640" y="802440"/>
-            <a:ext cx="7291080" cy="4498560"/>
+            <a:off x="457200" y="273600"/>
+            <a:ext cx="8229240" cy="5307840"/>
           </a:xfrm>
           <a:prstGeom prst="rect">
             <a:avLst/>
@@ -5069,7 +5004,7 @@
             <a:spLocks noGrp="1"/>
           </p:cNvSpPr>
           <p:nvPr>
-            <p:ph type="ftr" idx="2"/>
+            <p:ph type="ftr" idx="1"/>
           </p:nvPr>
         </p:nvSpPr>
         <p:spPr/>
@@ -5089,14 +5024,14 @@
             <a:spLocks noGrp="1"/>
           </p:cNvSpPr>
           <p:nvPr>
-            <p:ph type="sldNum" idx="3"/>
+            <p:ph type="sldNum" idx="2"/>
           </p:nvPr>
         </p:nvSpPr>
         <p:spPr/>
         <p:txBody>
           <a:bodyPr/>
           <a:p>
-            <a:fld id="{7F1365FF-B08D-4CE2-9253-60E266B49053}" type="slidenum">
+            <a:fld id="{A9F5E450-CE56-4F3A-B8BE-18193C9E4B5C}" type="slidenum">
               <a:t>&lt;#&gt;</a:t>
             </a:fld>
           </a:p>
@@ -5109,7 +5044,7 @@
             <a:spLocks noGrp="1"/>
           </p:cNvSpPr>
           <p:nvPr>
-            <p:ph type="dt" idx="1"/>
+            <p:ph type="dt" idx="3"/>
           </p:nvPr>
         </p:nvSpPr>
         <p:spPr/>
@@ -5157,8 +5092,8 @@
         </p:nvSpPr>
         <p:spPr>
           <a:xfrm>
-            <a:off x="1547640" y="802440"/>
-            <a:ext cx="7291080" cy="970200"/>
+            <a:off x="457200" y="273600"/>
+            <a:ext cx="8229240" cy="1144800"/>
           </a:xfrm>
           <a:prstGeom prst="rect">
             <a:avLst/>
@@ -5173,13 +5108,10 @@
             <a:noAutofit/>
           </a:bodyPr>
           <a:p>
-            <a:pPr indent="0">
+            <a:pPr indent="0" algn="ctr">
               <a:buNone/>
             </a:pPr>
-            <a:endParaRPr b="0" lang="fi-FI" sz="2400" spc="-1" strike="noStrike">
-              <a:solidFill>
-                <a:srgbClr val="000000"/>
-              </a:solidFill>
+            <a:endParaRPr b="0" lang="en-US" sz="4400" spc="-1" strike="noStrike">
               <a:latin typeface="Arial"/>
             </a:endParaRPr>
           </a:p>
@@ -5197,8 +5129,8 @@
         </p:nvSpPr>
         <p:spPr>
           <a:xfrm>
-            <a:off x="579600" y="2205000"/>
-            <a:ext cx="4036320" cy="1854360"/>
+            <a:off x="457200" y="1604520"/>
+            <a:ext cx="4015800" cy="1896840"/>
           </a:xfrm>
           <a:prstGeom prst="rect">
             <a:avLst/>
@@ -5219,10 +5151,7 @@
               </a:spcBef>
               <a:buNone/>
             </a:pPr>
-            <a:endParaRPr b="0" lang="fi-FI" sz="1650" spc="-1" strike="noStrike">
-              <a:solidFill>
-                <a:srgbClr val="000000"/>
-              </a:solidFill>
+            <a:endParaRPr b="0" lang="en-US" sz="3200" spc="-1" strike="noStrike">
               <a:latin typeface="Arial"/>
             </a:endParaRPr>
           </a:p>
@@ -5240,8 +5169,8 @@
         </p:nvSpPr>
         <p:spPr>
           <a:xfrm>
-            <a:off x="4818240" y="2205000"/>
-            <a:ext cx="4036320" cy="3888000"/>
+            <a:off x="4674240" y="1604520"/>
+            <a:ext cx="4015800" cy="3977280"/>
           </a:xfrm>
           <a:prstGeom prst="rect">
             <a:avLst/>
@@ -5262,10 +5191,7 @@
               </a:spcBef>
               <a:buNone/>
             </a:pPr>
-            <a:endParaRPr b="0" lang="fi-FI" sz="1650" spc="-1" strike="noStrike">
-              <a:solidFill>
-                <a:srgbClr val="000000"/>
-              </a:solidFill>
+            <a:endParaRPr b="0" lang="en-US" sz="3200" spc="-1" strike="noStrike">
               <a:latin typeface="Arial"/>
             </a:endParaRPr>
           </a:p>
@@ -5283,8 +5209,8 @@
         </p:nvSpPr>
         <p:spPr>
           <a:xfrm>
-            <a:off x="579600" y="4235760"/>
-            <a:ext cx="4036320" cy="1854360"/>
+            <a:off x="457200" y="3682080"/>
+            <a:ext cx="4015800" cy="1896840"/>
           </a:xfrm>
           <a:prstGeom prst="rect">
             <a:avLst/>
@@ -5305,10 +5231,7 @@
               </a:spcBef>
               <a:buNone/>
             </a:pPr>
-            <a:endParaRPr b="0" lang="fi-FI" sz="1650" spc="-1" strike="noStrike">
-              <a:solidFill>
-                <a:srgbClr val="000000"/>
-              </a:solidFill>
+            <a:endParaRPr b="0" lang="en-US" sz="3200" spc="-1" strike="noStrike">
               <a:latin typeface="Arial"/>
             </a:endParaRPr>
           </a:p>
@@ -5321,7 +5244,7 @@
             <a:spLocks noGrp="1"/>
           </p:cNvSpPr>
           <p:nvPr>
-            <p:ph type="ftr" idx="2"/>
+            <p:ph type="ftr" idx="1"/>
           </p:nvPr>
         </p:nvSpPr>
         <p:spPr/>
@@ -5341,14 +5264,14 @@
             <a:spLocks noGrp="1"/>
           </p:cNvSpPr>
           <p:nvPr>
-            <p:ph type="sldNum" idx="3"/>
+            <p:ph type="sldNum" idx="2"/>
           </p:nvPr>
         </p:nvSpPr>
         <p:spPr/>
         <p:txBody>
           <a:bodyPr/>
           <a:p>
-            <a:fld id="{E3878771-62C5-4EAA-BE63-063860B4A373}" type="slidenum">
+            <a:fld id="{23C45F73-D1C5-43F6-B1B2-04CC436DAF16}" type="slidenum">
               <a:t>&lt;#&gt;</a:t>
             </a:fld>
           </a:p>
@@ -5361,7 +5284,7 @@
             <a:spLocks noGrp="1"/>
           </p:cNvSpPr>
           <p:nvPr>
-            <p:ph type="dt" idx="1"/>
+            <p:ph type="dt" idx="3"/>
           </p:nvPr>
         </p:nvSpPr>
         <p:spPr/>
@@ -5409,8 +5332,8 @@
         </p:nvSpPr>
         <p:spPr>
           <a:xfrm>
-            <a:off x="1547640" y="802440"/>
-            <a:ext cx="7291080" cy="970200"/>
+            <a:off x="457200" y="273600"/>
+            <a:ext cx="8229240" cy="1144800"/>
           </a:xfrm>
           <a:prstGeom prst="rect">
             <a:avLst/>
@@ -5425,13 +5348,10 @@
             <a:noAutofit/>
           </a:bodyPr>
           <a:p>
-            <a:pPr indent="0">
+            <a:pPr indent="0" algn="ctr">
               <a:buNone/>
             </a:pPr>
-            <a:endParaRPr b="0" lang="fi-FI" sz="2400" spc="-1" strike="noStrike">
-              <a:solidFill>
-                <a:srgbClr val="000000"/>
-              </a:solidFill>
+            <a:endParaRPr b="0" lang="en-US" sz="4400" spc="-1" strike="noStrike">
               <a:latin typeface="Arial"/>
             </a:endParaRPr>
           </a:p>
@@ -5449,8 +5369,8 @@
         </p:nvSpPr>
         <p:spPr>
           <a:xfrm>
-            <a:off x="579600" y="2205000"/>
-            <a:ext cx="4036320" cy="3888000"/>
+            <a:off x="457200" y="1604520"/>
+            <a:ext cx="4015800" cy="3977280"/>
           </a:xfrm>
           <a:prstGeom prst="rect">
             <a:avLst/>
@@ -5471,10 +5391,7 @@
               </a:spcBef>
               <a:buNone/>
             </a:pPr>
-            <a:endParaRPr b="0" lang="fi-FI" sz="1650" spc="-1" strike="noStrike">
-              <a:solidFill>
-                <a:srgbClr val="000000"/>
-              </a:solidFill>
+            <a:endParaRPr b="0" lang="en-US" sz="3200" spc="-1" strike="noStrike">
               <a:latin typeface="Arial"/>
             </a:endParaRPr>
           </a:p>
@@ -5492,8 +5409,8 @@
         </p:nvSpPr>
         <p:spPr>
           <a:xfrm>
-            <a:off x="4818240" y="2205000"/>
-            <a:ext cx="4036320" cy="1854360"/>
+            <a:off x="4674240" y="1604520"/>
+            <a:ext cx="4015800" cy="1896840"/>
           </a:xfrm>
           <a:prstGeom prst="rect">
             <a:avLst/>
@@ -5514,10 +5431,7 @@
               </a:spcBef>
               <a:buNone/>
             </a:pPr>
-            <a:endParaRPr b="0" lang="fi-FI" sz="1650" spc="-1" strike="noStrike">
-              <a:solidFill>
-                <a:srgbClr val="000000"/>
-              </a:solidFill>
+            <a:endParaRPr b="0" lang="en-US" sz="3200" spc="-1" strike="noStrike">
               <a:latin typeface="Arial"/>
             </a:endParaRPr>
           </a:p>
@@ -5535,8 +5449,8 @@
         </p:nvSpPr>
         <p:spPr>
           <a:xfrm>
-            <a:off x="4818240" y="4235760"/>
-            <a:ext cx="4036320" cy="1854360"/>
+            <a:off x="4674240" y="3682080"/>
+            <a:ext cx="4015800" cy="1896840"/>
           </a:xfrm>
           <a:prstGeom prst="rect">
             <a:avLst/>
@@ -5557,10 +5471,7 @@
               </a:spcBef>
               <a:buNone/>
             </a:pPr>
-            <a:endParaRPr b="0" lang="fi-FI" sz="1650" spc="-1" strike="noStrike">
-              <a:solidFill>
-                <a:srgbClr val="000000"/>
-              </a:solidFill>
+            <a:endParaRPr b="0" lang="en-US" sz="3200" spc="-1" strike="noStrike">
               <a:latin typeface="Arial"/>
             </a:endParaRPr>
           </a:p>
@@ -5573,7 +5484,7 @@
             <a:spLocks noGrp="1"/>
           </p:cNvSpPr>
           <p:nvPr>
-            <p:ph type="ftr" idx="2"/>
+            <p:ph type="ftr" idx="1"/>
           </p:nvPr>
         </p:nvSpPr>
         <p:spPr/>
@@ -5593,14 +5504,14 @@
             <a:spLocks noGrp="1"/>
           </p:cNvSpPr>
           <p:nvPr>
-            <p:ph type="sldNum" idx="3"/>
+            <p:ph type="sldNum" idx="2"/>
           </p:nvPr>
         </p:nvSpPr>
         <p:spPr/>
         <p:txBody>
           <a:bodyPr/>
           <a:p>
-            <a:fld id="{F74E7FDF-2A32-4EAC-BEE8-37833F207AEA}" type="slidenum">
+            <a:fld id="{D41AE57B-DAF1-4613-A36C-A6E5FFBA5637}" type="slidenum">
               <a:t>&lt;#&gt;</a:t>
             </a:fld>
           </a:p>
@@ -5613,7 +5524,7 @@
             <a:spLocks noGrp="1"/>
           </p:cNvSpPr>
           <p:nvPr>
-            <p:ph type="dt" idx="1"/>
+            <p:ph type="dt" idx="3"/>
           </p:nvPr>
         </p:nvSpPr>
         <p:spPr/>
@@ -5661,8 +5572,8 @@
         </p:nvSpPr>
         <p:spPr>
           <a:xfrm>
-            <a:off x="1547640" y="802440"/>
-            <a:ext cx="7291080" cy="970200"/>
+            <a:off x="457200" y="273600"/>
+            <a:ext cx="8229240" cy="1144800"/>
           </a:xfrm>
           <a:prstGeom prst="rect">
             <a:avLst/>
@@ -5677,13 +5588,10 @@
             <a:noAutofit/>
           </a:bodyPr>
           <a:p>
-            <a:pPr indent="0">
+            <a:pPr indent="0" algn="ctr">
               <a:buNone/>
             </a:pPr>
-            <a:endParaRPr b="0" lang="fi-FI" sz="2400" spc="-1" strike="noStrike">
-              <a:solidFill>
-                <a:srgbClr val="000000"/>
-              </a:solidFill>
+            <a:endParaRPr b="0" lang="en-US" sz="4400" spc="-1" strike="noStrike">
               <a:latin typeface="Arial"/>
             </a:endParaRPr>
           </a:p>
@@ -5701,8 +5609,8 @@
         </p:nvSpPr>
         <p:spPr>
           <a:xfrm>
-            <a:off x="579600" y="2205000"/>
-            <a:ext cx="4036320" cy="1854360"/>
+            <a:off x="457200" y="1604520"/>
+            <a:ext cx="4015800" cy="1896840"/>
           </a:xfrm>
           <a:prstGeom prst="rect">
             <a:avLst/>
@@ -5723,10 +5631,7 @@
               </a:spcBef>
               <a:buNone/>
             </a:pPr>
-            <a:endParaRPr b="0" lang="fi-FI" sz="1650" spc="-1" strike="noStrike">
-              <a:solidFill>
-                <a:srgbClr val="000000"/>
-              </a:solidFill>
+            <a:endParaRPr b="0" lang="en-US" sz="3200" spc="-1" strike="noStrike">
               <a:latin typeface="Arial"/>
             </a:endParaRPr>
           </a:p>
@@ -5744,8 +5649,8 @@
         </p:nvSpPr>
         <p:spPr>
           <a:xfrm>
-            <a:off x="4818240" y="2205000"/>
-            <a:ext cx="4036320" cy="1854360"/>
+            <a:off x="4674240" y="1604520"/>
+            <a:ext cx="4015800" cy="1896840"/>
           </a:xfrm>
           <a:prstGeom prst="rect">
             <a:avLst/>
@@ -5766,10 +5671,7 @@
               </a:spcBef>
               <a:buNone/>
             </a:pPr>
-            <a:endParaRPr b="0" lang="fi-FI" sz="1650" spc="-1" strike="noStrike">
-              <a:solidFill>
-                <a:srgbClr val="000000"/>
-              </a:solidFill>
+            <a:endParaRPr b="0" lang="en-US" sz="3200" spc="-1" strike="noStrike">
               <a:latin typeface="Arial"/>
             </a:endParaRPr>
           </a:p>
@@ -5787,8 +5689,8 @@
         </p:nvSpPr>
         <p:spPr>
           <a:xfrm>
-            <a:off x="579600" y="4235760"/>
-            <a:ext cx="8271720" cy="1854360"/>
+            <a:off x="457200" y="3682080"/>
+            <a:ext cx="8229240" cy="1896840"/>
           </a:xfrm>
           <a:prstGeom prst="rect">
             <a:avLst/>
@@ -5809,10 +5711,7 @@
               </a:spcBef>
               <a:buNone/>
             </a:pPr>
-            <a:endParaRPr b="0" lang="fi-FI" sz="1650" spc="-1" strike="noStrike">
-              <a:solidFill>
-                <a:srgbClr val="000000"/>
-              </a:solidFill>
+            <a:endParaRPr b="0" lang="en-US" sz="3200" spc="-1" strike="noStrike">
               <a:latin typeface="Arial"/>
             </a:endParaRPr>
           </a:p>
@@ -5825,7 +5724,7 @@
             <a:spLocks noGrp="1"/>
           </p:cNvSpPr>
           <p:nvPr>
-            <p:ph type="ftr" idx="2"/>
+            <p:ph type="ftr" idx="1"/>
           </p:nvPr>
         </p:nvSpPr>
         <p:spPr/>
@@ -5845,14 +5744,14 @@
             <a:spLocks noGrp="1"/>
           </p:cNvSpPr>
           <p:nvPr>
-            <p:ph type="sldNum" idx="3"/>
+            <p:ph type="sldNum" idx="2"/>
           </p:nvPr>
         </p:nvSpPr>
         <p:spPr/>
         <p:txBody>
           <a:bodyPr/>
           <a:p>
-            <a:fld id="{FBAC88AF-7B1E-4ACD-890F-AB4D4F04878C}" type="slidenum">
+            <a:fld id="{0785FEA9-726C-4698-AB8F-3A871F754082}" type="slidenum">
               <a:t>&lt;#&gt;</a:t>
             </a:fld>
           </a:p>
@@ -5865,7 +5764,7 @@
             <a:spLocks noGrp="1"/>
           </p:cNvSpPr>
           <p:nvPr>
-            <p:ph type="dt" idx="1"/>
+            <p:ph type="dt" idx="3"/>
           </p:nvPr>
         </p:nvSpPr>
         <p:spPr/>
@@ -5922,7 +5821,7 @@
         <p:spPr>
           <a:xfrm>
             <a:off x="170280" y="215640"/>
-            <a:ext cx="8803440" cy="5943600"/>
+            <a:ext cx="8803080" cy="5943240"/>
           </a:xfrm>
           <a:prstGeom prst="rect">
             <a:avLst/>
@@ -5945,7 +5844,7 @@
         <p:spPr>
           <a:xfrm>
             <a:off x="157680" y="128160"/>
-            <a:ext cx="1355400" cy="1279800"/>
+            <a:ext cx="1355040" cy="1279440"/>
           </a:xfrm>
           <a:prstGeom prst="rect">
             <a:avLst/>
@@ -5968,7 +5867,7 @@
         <p:spPr>
           <a:xfrm>
             <a:off x="156600" y="6237360"/>
-            <a:ext cx="1766520" cy="456840"/>
+            <a:ext cx="1766160" cy="456480"/>
           </a:xfrm>
           <a:prstGeom prst="rect">
             <a:avLst/>
@@ -5987,7 +5886,7 @@
         <p:spPr>
           <a:xfrm>
             <a:off x="2226240" y="6188400"/>
-            <a:ext cx="2807640" cy="575640"/>
+            <a:ext cx="2807280" cy="575280"/>
           </a:xfrm>
           <a:prstGeom prst="rect">
             <a:avLst/>
@@ -6036,192 +5935,13 @@
             <a:spLocks noGrp="1"/>
           </p:cNvSpPr>
           <p:nvPr>
-            <p:ph type="body"/>
+            <p:ph type="ftr" idx="1"/>
           </p:nvPr>
         </p:nvSpPr>
         <p:spPr>
           <a:xfrm>
-            <a:off x="579600" y="2205000"/>
-            <a:ext cx="8271720" cy="3888000"/>
-          </a:xfrm>
-          <a:prstGeom prst="rect">
-            <a:avLst/>
-          </a:prstGeom>
-          <a:noFill/>
-          <a:ln w="9360">
-            <a:noFill/>
-          </a:ln>
-        </p:spPr>
-        <p:txBody>
-          <a:bodyPr numCol="1" spcCol="0" anchor="t">
-            <a:noAutofit/>
-          </a:bodyPr>
-          <a:p>
-            <a:pPr marL="257040" indent="-188280">
-              <a:lnSpc>
-                <a:spcPct val="80000"/>
-              </a:lnSpc>
-              <a:spcAft>
-                <a:spcPts val="825"/>
-              </a:spcAft>
-              <a:buClr>
-                <a:srgbClr val="000000"/>
-              </a:buClr>
-              <a:buFont typeface="Arial"/>
-              <a:buChar char="•"/>
-            </a:pPr>
-            <a:r>
-              <a:rPr b="0" lang="fi-FI" sz="1650" spc="-1" strike="noStrike">
-                <a:solidFill>
-                  <a:srgbClr val="000000"/>
-                </a:solidFill>
-                <a:latin typeface="Arial"/>
-              </a:rPr>
-              <a:t>Click to add text</a:t>
-            </a:r>
-            <a:endParaRPr b="0" lang="fi-FI" sz="1650" spc="-1" strike="noStrike">
-              <a:solidFill>
-                <a:srgbClr val="000000"/>
-              </a:solidFill>
-              <a:latin typeface="Arial"/>
-            </a:endParaRPr>
-          </a:p>
-          <a:p>
-            <a:pPr lvl="1" marL="543960" indent="-257040">
-              <a:lnSpc>
-                <a:spcPct val="80000"/>
-              </a:lnSpc>
-              <a:spcAft>
-                <a:spcPts val="751"/>
-              </a:spcAft>
-              <a:buClr>
-                <a:srgbClr val="000000"/>
-              </a:buClr>
-              <a:buFont typeface="Arial"/>
-              <a:buChar char="•"/>
-            </a:pPr>
-            <a:r>
-              <a:rPr b="0" lang="fi-FI" sz="1500" spc="-1" strike="noStrike">
-                <a:solidFill>
-                  <a:srgbClr val="000000"/>
-                </a:solidFill>
-                <a:latin typeface="Arial"/>
-              </a:rPr>
-              <a:t>Second level</a:t>
-            </a:r>
-            <a:endParaRPr b="0" lang="fi-FI" sz="1500" spc="-1" strike="noStrike">
-              <a:solidFill>
-                <a:srgbClr val="000000"/>
-              </a:solidFill>
-              <a:latin typeface="Arial"/>
-            </a:endParaRPr>
-          </a:p>
-          <a:p>
-            <a:pPr lvl="2" marL="714240" indent="-140400">
-              <a:lnSpc>
-                <a:spcPct val="80000"/>
-              </a:lnSpc>
-              <a:spcAft>
-                <a:spcPts val="901"/>
-              </a:spcAft>
-              <a:buClr>
-                <a:srgbClr val="000000"/>
-              </a:buClr>
-              <a:buFont typeface="Arial"/>
-              <a:buChar char="‒"/>
-            </a:pPr>
-            <a:r>
-              <a:rPr b="0" lang="fi-FI" sz="1800" spc="-1" strike="noStrike">
-                <a:solidFill>
-                  <a:srgbClr val="000000"/>
-                </a:solidFill>
-                <a:latin typeface="Arial"/>
-              </a:rPr>
-              <a:t>Third level</a:t>
-            </a:r>
-            <a:endParaRPr b="0" lang="fi-FI" sz="1800" spc="-1" strike="noStrike">
-              <a:solidFill>
-                <a:srgbClr val="000000"/>
-              </a:solidFill>
-              <a:latin typeface="Arial"/>
-            </a:endParaRPr>
-          </a:p>
-          <a:p>
-            <a:pPr lvl="3" marL="1071360" indent="-140400">
-              <a:lnSpc>
-                <a:spcPct val="80000"/>
-              </a:lnSpc>
-              <a:spcAft>
-                <a:spcPts val="601"/>
-              </a:spcAft>
-              <a:buClr>
-                <a:srgbClr val="000000"/>
-              </a:buClr>
-              <a:buFont typeface="Arial"/>
-              <a:buChar char="‒"/>
-            </a:pPr>
-            <a:r>
-              <a:rPr b="0" lang="fi-FI" sz="1200" spc="-1" strike="noStrike">
-                <a:solidFill>
-                  <a:srgbClr val="000000"/>
-                </a:solidFill>
-                <a:latin typeface="Arial"/>
-              </a:rPr>
-              <a:t>Fourth level</a:t>
-            </a:r>
-            <a:endParaRPr b="0" lang="fi-FI" sz="1200" spc="-1" strike="noStrike">
-              <a:solidFill>
-                <a:srgbClr val="000000"/>
-              </a:solidFill>
-              <a:latin typeface="Arial"/>
-            </a:endParaRPr>
-          </a:p>
-          <a:p>
-            <a:pPr lvl="4" marL="1428840" indent="-140400">
-              <a:lnSpc>
-                <a:spcPct val="80000"/>
-              </a:lnSpc>
-              <a:spcAft>
-                <a:spcPts val="524"/>
-              </a:spcAft>
-              <a:buClr>
-                <a:srgbClr val="000000"/>
-              </a:buClr>
-              <a:buFont typeface="Arial"/>
-              <a:buChar char="‒"/>
-            </a:pPr>
-            <a:r>
-              <a:rPr b="0" lang="fi-FI" sz="1050" spc="-1" strike="noStrike">
-                <a:solidFill>
-                  <a:srgbClr val="000000"/>
-                </a:solidFill>
-                <a:latin typeface="Arial"/>
-              </a:rPr>
-              <a:t>Fifth level</a:t>
-            </a:r>
-            <a:endParaRPr b="0" lang="fi-FI" sz="1050" spc="-1" strike="noStrike">
-              <a:solidFill>
-                <a:srgbClr val="000000"/>
-              </a:solidFill>
-              <a:latin typeface="Arial"/>
-            </a:endParaRPr>
-          </a:p>
-        </p:txBody>
-      </p:sp>
-      <p:sp>
-        <p:nvSpPr>
-          <p:cNvPr id="5" name="PlaceHolder 2"/>
-          <p:cNvSpPr>
-            <a:spLocks noGrp="1"/>
-          </p:cNvSpPr>
-          <p:nvPr>
-            <p:ph type="dt" idx="1"/>
-          </p:nvPr>
-        </p:nvSpPr>
-        <p:spPr>
-          <a:xfrm>
-            <a:off x="7696080" y="6189120"/>
-            <a:ext cx="685440" cy="575640"/>
+            <a:off x="5076000" y="6189120"/>
+            <a:ext cx="2807280" cy="575280"/>
           </a:xfrm>
           <a:prstGeom prst="rect">
             <a:avLst/>
@@ -6232,6 +5952,77 @@
           </a:ln>
         </p:spPr>
         <p:txBody>
+          <a:bodyPr lIns="0" rIns="0" tIns="0" bIns="0" anchor="b">
+            <a:noAutofit/>
+          </a:bodyPr>
+          <a:lstStyle>
+            <a:lvl1pPr indent="0">
+              <a:lnSpc>
+                <a:spcPct val="100000"/>
+              </a:lnSpc>
+              <a:buNone/>
+              <a:tabLst>
+                <a:tab algn="l" pos="0"/>
+              </a:tabLst>
+              <a:defRPr b="0" lang="fi-FI" sz="670" spc="-1" strike="noStrike">
+                <a:solidFill>
+                  <a:srgbClr val="000000"/>
+                </a:solidFill>
+                <a:latin typeface="Arial"/>
+                <a:ea typeface="ＭＳ Ｐゴシック"/>
+              </a:defRPr>
+            </a:lvl1pPr>
+          </a:lstStyle>
+          <a:p>
+            <a:pPr indent="0">
+              <a:lnSpc>
+                <a:spcPct val="100000"/>
+              </a:lnSpc>
+              <a:buNone/>
+              <a:tabLst>
+                <a:tab algn="l" pos="0"/>
+              </a:tabLst>
+            </a:pPr>
+            <a:r>
+              <a:rPr b="0" lang="fi-FI" sz="670" spc="-1" strike="noStrike">
+                <a:solidFill>
+                  <a:srgbClr val="000000"/>
+                </a:solidFill>
+                <a:latin typeface="Arial"/>
+                <a:ea typeface="ＭＳ Ｐゴシック"/>
+              </a:rPr>
+              <a:t>&lt;footer&gt;</a:t>
+            </a:r>
+            <a:endParaRPr b="0" lang="en-US" sz="670" spc="-1" strike="noStrike">
+              <a:latin typeface="Times New Roman"/>
+            </a:endParaRPr>
+          </a:p>
+        </p:txBody>
+      </p:sp>
+      <p:sp>
+        <p:nvSpPr>
+          <p:cNvPr id="5" name="PlaceHolder 2"/>
+          <p:cNvSpPr>
+            <a:spLocks noGrp="1"/>
+          </p:cNvSpPr>
+          <p:nvPr>
+            <p:ph type="sldNum" idx="2"/>
+          </p:nvPr>
+        </p:nvSpPr>
+        <p:spPr>
+          <a:xfrm>
+            <a:off x="8381880" y="6189120"/>
+            <a:ext cx="509760" cy="575280"/>
+          </a:xfrm>
+          <a:prstGeom prst="rect">
+            <a:avLst/>
+          </a:prstGeom>
+          <a:noFill/>
+          <a:ln w="0">
+            <a:noFill/>
+          </a:ln>
+        </p:spPr>
+        <p:txBody>
           <a:bodyPr numCol="1" spcCol="0" lIns="0" rIns="0" tIns="0" bIns="0" anchor="b">
             <a:noAutofit/>
           </a:bodyPr>
@@ -6241,7 +6032,10 @@
                 <a:spcPct val="100000"/>
               </a:lnSpc>
               <a:buNone/>
-              <a:defRPr b="0" lang="en-US" sz="670" spc="-1" strike="noStrike">
+              <a:tabLst>
+                <a:tab algn="l" pos="0"/>
+              </a:tabLst>
+              <a:defRPr b="0" lang="en-GB" sz="670" spc="-1" strike="noStrike">
                 <a:solidFill>
                   <a:srgbClr val="000000"/>
                 </a:solidFill>
@@ -6256,17 +6050,20 @@
                 <a:spcPct val="100000"/>
               </a:lnSpc>
               <a:buNone/>
+              <a:tabLst>
+                <a:tab algn="l" pos="0"/>
+              </a:tabLst>
             </a:pPr>
-            <a:r>
-              <a:rPr b="0" lang="en-US" sz="670" spc="-1" strike="noStrike">
+            <a:fld id="{AE7D218E-9E50-44D6-B3A8-C12C92EDBC4C}" type="slidenum">
+              <a:rPr b="0" lang="en-GB" sz="670" spc="-1" strike="noStrike">
                 <a:solidFill>
                   <a:srgbClr val="000000"/>
                 </a:solidFill>
                 <a:latin typeface="Arial"/>
                 <a:ea typeface="ＭＳ Ｐゴシック"/>
               </a:rPr>
-              <a:t> </a:t>
-            </a:r>
+              <a:t>&lt;number&gt;</a:t>
+            </a:fld>
             <a:endParaRPr b="0" lang="en-US" sz="670" spc="-1" strike="noStrike">
               <a:latin typeface="Times New Roman"/>
             </a:endParaRPr>
@@ -6280,13 +6077,13 @@
             <a:spLocks noGrp="1"/>
           </p:cNvSpPr>
           <p:nvPr>
-            <p:ph type="ftr" idx="2"/>
+            <p:ph type="dt" idx="3"/>
           </p:nvPr>
         </p:nvSpPr>
         <p:spPr>
           <a:xfrm>
-            <a:off x="5076000" y="6189120"/>
-            <a:ext cx="2807640" cy="575640"/>
+            <a:off x="7696080" y="6189120"/>
+            <a:ext cx="685080" cy="575280"/>
           </a:xfrm>
           <a:prstGeom prst="rect">
             <a:avLst/>
@@ -6297,42 +6094,28 @@
           </a:ln>
         </p:spPr>
         <p:txBody>
-          <a:bodyPr lIns="0" rIns="0" tIns="0" bIns="0" anchor="b">
+          <a:bodyPr numCol="1" spcCol="0" lIns="0" rIns="0" tIns="0" bIns="0" anchor="b">
             <a:noAutofit/>
           </a:bodyPr>
           <a:lstStyle>
             <a:lvl1pPr indent="0">
-              <a:lnSpc>
-                <a:spcPct val="100000"/>
-              </a:lnSpc>
               <a:buNone/>
-              <a:defRPr b="0" lang="fi-FI" sz="670" spc="-1" strike="noStrike">
-                <a:solidFill>
-                  <a:srgbClr val="000000"/>
-                </a:solidFill>
-                <a:latin typeface="Arial"/>
-                <a:ea typeface="ＭＳ Ｐゴシック"/>
+              <a:defRPr b="0" lang="en-US" sz="1400" spc="-1" strike="noStrike">
+                <a:latin typeface="Times New Roman"/>
               </a:defRPr>
             </a:lvl1pPr>
           </a:lstStyle>
           <a:p>
             <a:pPr indent="0">
-              <a:lnSpc>
-                <a:spcPct val="100000"/>
-              </a:lnSpc>
               <a:buNone/>
             </a:pPr>
             <a:r>
-              <a:rPr b="0" lang="fi-FI" sz="670" spc="-1" strike="noStrike">
-                <a:solidFill>
-                  <a:srgbClr val="000000"/>
-                </a:solidFill>
-                <a:latin typeface="Arial"/>
-                <a:ea typeface="ＭＳ Ｐゴシック"/>
+              <a:rPr b="0" lang="en-US" sz="1400" spc="-1" strike="noStrike">
+                <a:latin typeface="Times New Roman"/>
               </a:rPr>
-              <a:t> </a:t>
+              <a:t>&lt;date/time&gt;</a:t>
             </a:r>
-            <a:endParaRPr b="0" lang="en-US" sz="670" spc="-1" strike="noStrike">
+            <a:endParaRPr b="0" lang="en-US" sz="1400" spc="-1" strike="noStrike">
               <a:latin typeface="Times New Roman"/>
             </a:endParaRPr>
           </a:p>
@@ -6345,13 +6128,13 @@
             <a:spLocks noGrp="1"/>
           </p:cNvSpPr>
           <p:nvPr>
-            <p:ph type="sldNum" idx="3"/>
+            <p:ph type="title"/>
           </p:nvPr>
         </p:nvSpPr>
         <p:spPr>
           <a:xfrm>
-            <a:off x="8381880" y="6189120"/>
-            <a:ext cx="510120" cy="575640"/>
+            <a:off x="457200" y="273600"/>
+            <a:ext cx="8229240" cy="1144800"/>
           </a:xfrm>
           <a:prstGeom prst="rect">
             <a:avLst/>
@@ -6362,43 +6145,21 @@
           </a:ln>
         </p:spPr>
         <p:txBody>
-          <a:bodyPr numCol="1" spcCol="0" lIns="0" rIns="0" tIns="0" bIns="0" anchor="b">
+          <a:bodyPr lIns="0" rIns="0" tIns="0" bIns="0" anchor="ctr">
             <a:noAutofit/>
           </a:bodyPr>
-          <a:lstStyle>
-            <a:lvl1pPr indent="0" algn="r">
-              <a:lnSpc>
-                <a:spcPct val="100000"/>
-              </a:lnSpc>
-              <a:buNone/>
-              <a:defRPr b="0" lang="en-GB" sz="670" spc="-1" strike="noStrike">
-                <a:solidFill>
-                  <a:srgbClr val="000000"/>
-                </a:solidFill>
-                <a:latin typeface="Arial"/>
-                <a:ea typeface="ＭＳ Ｐゴシック"/>
-              </a:defRPr>
-            </a:lvl1pPr>
-          </a:lstStyle>
-          <a:p>
-            <a:pPr indent="0" algn="r">
-              <a:lnSpc>
-                <a:spcPct val="100000"/>
-              </a:lnSpc>
+          <a:p>
+            <a:pPr indent="0" algn="ctr">
               <a:buNone/>
             </a:pPr>
-            <a:fld id="{F6DA61D1-95B5-4885-9E8E-F2DB029C52A6}" type="slidenum">
-              <a:rPr b="0" lang="en-GB" sz="670" spc="-1" strike="noStrike">
-                <a:solidFill>
-                  <a:srgbClr val="000000"/>
-                </a:solidFill>
+            <a:r>
+              <a:rPr b="0" lang="en-US" sz="4400" spc="-1" strike="noStrike">
                 <a:latin typeface="Arial"/>
-                <a:ea typeface="ＭＳ Ｐゴシック"/>
               </a:rPr>
-              <a:t>1</a:t>
-            </a:fld>
-            <a:endParaRPr b="0" lang="en-US" sz="670" spc="-1" strike="noStrike">
-              <a:latin typeface="Times New Roman"/>
+              <a:t>Click to edit the title text format</a:t>
+            </a:r>
+            <a:endParaRPr b="0" lang="en-US" sz="4400" spc="-1" strike="noStrike">
+              <a:latin typeface="Arial"/>
             </a:endParaRPr>
           </a:p>
         </p:txBody>
@@ -6410,13 +6171,13 @@
             <a:spLocks noGrp="1"/>
           </p:cNvSpPr>
           <p:nvPr>
-            <p:ph type="title"/>
+            <p:ph type="body"/>
           </p:nvPr>
         </p:nvSpPr>
         <p:spPr>
           <a:xfrm>
-            <a:off x="1547640" y="802440"/>
-            <a:ext cx="7291080" cy="970200"/>
+            <a:off x="457200" y="1604520"/>
+            <a:ext cx="8229240" cy="3977280"/>
           </a:xfrm>
           <a:prstGeom prst="rect">
             <a:avLst/>
@@ -6427,29 +6188,160 @@
           </a:ln>
         </p:spPr>
         <p:txBody>
-          <a:bodyPr numCol="1" spcCol="0" lIns="0" rIns="0" tIns="0" bIns="0" anchor="t">
-            <a:noAutofit/>
+          <a:bodyPr lIns="0" rIns="0" tIns="0" bIns="0" anchor="t">
+            <a:normAutofit/>
           </a:bodyPr>
           <a:p>
-            <a:pPr indent="0">
-              <a:lnSpc>
-                <a:spcPct val="80000"/>
-              </a:lnSpc>
-              <a:buNone/>
+            <a:pPr marL="432000" indent="-324000">
+              <a:spcBef>
+                <a:spcPts val="1417"/>
+              </a:spcBef>
+              <a:buClr>
+                <a:srgbClr val="000000"/>
+              </a:buClr>
+              <a:buSzPct val="45000"/>
+              <a:buFont typeface="Wingdings" charset="2"/>
+              <a:buChar char=""/>
             </a:pPr>
             <a:r>
-              <a:rPr b="1" lang="en-US" sz="2550" spc="-1" strike="noStrike" cap="all">
-                <a:solidFill>
-                  <a:srgbClr val="000000"/>
-                </a:solidFill>
+              <a:rPr b="0" lang="en-US" sz="3200" spc="-1" strike="noStrike">
                 <a:latin typeface="Arial"/>
               </a:rPr>
-              <a:t>Click to edit Master title style</a:t>
+              <a:t>Click to edit the outline text format</a:t>
             </a:r>
-            <a:endParaRPr b="0" lang="fi-FI" sz="2550" spc="-1" strike="noStrike">
-              <a:solidFill>
+            <a:endParaRPr b="0" lang="en-US" sz="3200" spc="-1" strike="noStrike">
+              <a:latin typeface="Arial"/>
+            </a:endParaRPr>
+          </a:p>
+          <a:p>
+            <a:pPr lvl="1" marL="864000" indent="-324000">
+              <a:spcBef>
+                <a:spcPts val="1134"/>
+              </a:spcBef>
+              <a:buClr>
                 <a:srgbClr val="000000"/>
-              </a:solidFill>
+              </a:buClr>
+              <a:buSzPct val="75000"/>
+              <a:buFont typeface="Symbol" charset="2"/>
+              <a:buChar char=""/>
+            </a:pPr>
+            <a:r>
+              <a:rPr b="0" lang="en-US" sz="2800" spc="-1" strike="noStrike">
+                <a:latin typeface="Arial"/>
+              </a:rPr>
+              <a:t>Second Outline Level</a:t>
+            </a:r>
+            <a:endParaRPr b="0" lang="en-US" sz="2800" spc="-1" strike="noStrike">
+              <a:latin typeface="Arial"/>
+            </a:endParaRPr>
+          </a:p>
+          <a:p>
+            <a:pPr lvl="2" marL="1296000" indent="-288000">
+              <a:spcBef>
+                <a:spcPts val="850"/>
+              </a:spcBef>
+              <a:buClr>
+                <a:srgbClr val="000000"/>
+              </a:buClr>
+              <a:buSzPct val="45000"/>
+              <a:buFont typeface="Wingdings" charset="2"/>
+              <a:buChar char=""/>
+            </a:pPr>
+            <a:r>
+              <a:rPr b="0" lang="en-US" sz="2400" spc="-1" strike="noStrike">
+                <a:latin typeface="Arial"/>
+              </a:rPr>
+              <a:t>Third Outline Level</a:t>
+            </a:r>
+            <a:endParaRPr b="0" lang="en-US" sz="2400" spc="-1" strike="noStrike">
+              <a:latin typeface="Arial"/>
+            </a:endParaRPr>
+          </a:p>
+          <a:p>
+            <a:pPr lvl="3" marL="1728000" indent="-216000">
+              <a:spcBef>
+                <a:spcPts val="567"/>
+              </a:spcBef>
+              <a:buClr>
+                <a:srgbClr val="000000"/>
+              </a:buClr>
+              <a:buSzPct val="75000"/>
+              <a:buFont typeface="Symbol" charset="2"/>
+              <a:buChar char=""/>
+            </a:pPr>
+            <a:r>
+              <a:rPr b="0" lang="en-US" sz="2000" spc="-1" strike="noStrike">
+                <a:latin typeface="Arial"/>
+              </a:rPr>
+              <a:t>Fourth Outline Level</a:t>
+            </a:r>
+            <a:endParaRPr b="0" lang="en-US" sz="2000" spc="-1" strike="noStrike">
+              <a:latin typeface="Arial"/>
+            </a:endParaRPr>
+          </a:p>
+          <a:p>
+            <a:pPr lvl="4" marL="2160000" indent="-216000">
+              <a:spcBef>
+                <a:spcPts val="283"/>
+              </a:spcBef>
+              <a:buClr>
+                <a:srgbClr val="000000"/>
+              </a:buClr>
+              <a:buSzPct val="45000"/>
+              <a:buFont typeface="Wingdings" charset="2"/>
+              <a:buChar char=""/>
+            </a:pPr>
+            <a:r>
+              <a:rPr b="0" lang="en-US" sz="2000" spc="-1" strike="noStrike">
+                <a:latin typeface="Arial"/>
+              </a:rPr>
+              <a:t>Fifth Outline Level</a:t>
+            </a:r>
+            <a:endParaRPr b="0" lang="en-US" sz="2000" spc="-1" strike="noStrike">
+              <a:latin typeface="Arial"/>
+            </a:endParaRPr>
+          </a:p>
+          <a:p>
+            <a:pPr lvl="5" marL="2592000" indent="-216000">
+              <a:spcBef>
+                <a:spcPts val="283"/>
+              </a:spcBef>
+              <a:buClr>
+                <a:srgbClr val="000000"/>
+              </a:buClr>
+              <a:buSzPct val="45000"/>
+              <a:buFont typeface="Wingdings" charset="2"/>
+              <a:buChar char=""/>
+            </a:pPr>
+            <a:r>
+              <a:rPr b="0" lang="en-US" sz="2000" spc="-1" strike="noStrike">
+                <a:latin typeface="Arial"/>
+              </a:rPr>
+              <a:t>Sixth Outline Level</a:t>
+            </a:r>
+            <a:endParaRPr b="0" lang="en-US" sz="2000" spc="-1" strike="noStrike">
+              <a:latin typeface="Arial"/>
+            </a:endParaRPr>
+          </a:p>
+          <a:p>
+            <a:pPr lvl="6" marL="3024000" indent="-216000">
+              <a:spcBef>
+                <a:spcPts val="283"/>
+              </a:spcBef>
+              <a:buClr>
+                <a:srgbClr val="000000"/>
+              </a:buClr>
+              <a:buSzPct val="45000"/>
+              <a:buFont typeface="Wingdings" charset="2"/>
+              <a:buChar char=""/>
+            </a:pPr>
+            <a:r>
+              <a:rPr b="0" lang="en-US" sz="2000" spc="-1" strike="noStrike">
+                <a:latin typeface="Arial"/>
+              </a:rPr>
+              <a:t>Seventh Outline Level</a:t>
+            </a:r>
+            <a:endParaRPr b="0" lang="en-US" sz="2000" spc="-1" strike="noStrike">
               <a:latin typeface="Arial"/>
             </a:endParaRPr>
           </a:p>
@@ -6505,7 +6397,7 @@
         <p:spPr>
           <a:xfrm>
             <a:off x="5076000" y="6189120"/>
-            <a:ext cx="2807640" cy="575640"/>
+            <a:ext cx="2807280" cy="575280"/>
           </a:xfrm>
           <a:prstGeom prst="rect">
             <a:avLst/>
@@ -6525,6 +6417,9 @@
                 <a:spcPct val="100000"/>
               </a:lnSpc>
               <a:buNone/>
+              <a:tabLst>
+                <a:tab algn="l" pos="0"/>
+              </a:tabLst>
               <a:defRPr b="0" lang="fi-FI" sz="670" spc="-1" strike="noStrike">
                 <a:solidFill>
                   <a:srgbClr val="000000"/>
@@ -6540,6 +6435,9 @@
                 <a:spcPct val="100000"/>
               </a:lnSpc>
               <a:buNone/>
+              <a:tabLst>
+                <a:tab algn="l" pos="0"/>
+              </a:tabLst>
             </a:pPr>
             <a:r>
               <a:rPr b="0" lang="fi-FI" sz="670" spc="-1" strike="noStrike">
@@ -6570,7 +6468,7 @@
         <p:spPr>
           <a:xfrm>
             <a:off x="1547640" y="802440"/>
-            <a:ext cx="7291080" cy="970200"/>
+            <a:ext cx="7290720" cy="969840"/>
           </a:xfrm>
           <a:prstGeom prst="rect">
             <a:avLst/>
@@ -6586,24 +6484,15 @@
           </a:bodyPr>
           <a:p>
             <a:pPr indent="0" algn="ctr">
-              <a:lnSpc>
-                <a:spcPct val="80000"/>
-              </a:lnSpc>
               <a:buNone/>
             </a:pPr>
             <a:r>
-              <a:rPr b="1" lang="en-US" sz="3300" spc="-1" strike="noStrike" cap="all">
-                <a:solidFill>
-                  <a:srgbClr val="000000"/>
-                </a:solidFill>
+              <a:rPr b="0" lang="en-US" sz="4400" spc="-1" strike="noStrike">
                 <a:latin typeface="Arial"/>
               </a:rPr>
-              <a:t>[Project TITLE or TEAM NAME]</a:t>
+              <a:t>Chat Application with OAuth</a:t>
             </a:r>
-            <a:endParaRPr b="0" lang="fi-FI" sz="3300" spc="-1" strike="noStrike">
-              <a:solidFill>
-                <a:srgbClr val="000000"/>
-              </a:solidFill>
+            <a:endParaRPr b="0" lang="en-US" sz="4400" spc="-1" strike="noStrike">
               <a:latin typeface="Arial"/>
             </a:endParaRPr>
           </a:p>
@@ -6616,14 +6505,14 @@
           <p:nvPr>
             <p:extLst>
               <p:ext uri="{D42A27DB-BD31-4B8C-83A1-F6EECF244321}">
-                <p14:modId xmlns:p14="http://schemas.microsoft.com/office/powerpoint/2010/main" val="3739351594"/>
+                <p14:modId xmlns:p14="http://schemas.microsoft.com/office/powerpoint/2010/main" val="1514001038"/>
               </p:ext>
             </p:extLst>
           </p:nvPr>
         </p:nvGraphicFramePr>
         <p:xfrm>
           <a:off x="1547640" y="1066680"/>
-          <a:ext cx="7291080" cy="2488680"/>
+          <a:ext cx="7290720" cy="2488320"/>
         </p:xfrm>
         <a:graphic>
           <a:graphicData uri="http://schemas.openxmlformats.org/drawingml/2006/diagram">
@@ -6633,53 +6522,14 @@
       </p:graphicFrame>
       <p:sp>
         <p:nvSpPr>
-          <p:cNvPr id="53" name="Rectangle 9"/>
-          <p:cNvSpPr/>
-          <p:nvPr/>
-        </p:nvSpPr>
-        <p:spPr>
-          <a:xfrm>
-            <a:off x="685800" y="3124440"/>
-            <a:ext cx="2514240" cy="2819160"/>
-          </a:xfrm>
-          <a:prstGeom prst="rect">
-            <a:avLst/>
-          </a:prstGeom>
-          <a:solidFill>
-            <a:schemeClr val="accent2">
-              <a:lumMod val="20000"/>
-              <a:lumOff val="80000"/>
-            </a:schemeClr>
-          </a:solidFill>
-          <a:ln>
-            <a:noFill/>
-          </a:ln>
-        </p:spPr>
-        <p:style>
-          <a:lnRef idx="2">
-            <a:schemeClr val="accent1">
-              <a:shade val="50000"/>
-            </a:schemeClr>
-          </a:lnRef>
-          <a:fillRef idx="1">
-            <a:schemeClr val="accent1"/>
-          </a:fillRef>
-          <a:effectRef idx="0">
-            <a:schemeClr val="accent1"/>
-          </a:effectRef>
-          <a:fontRef idx="minor"/>
-        </p:style>
-      </p:sp>
-      <p:sp>
-        <p:nvSpPr>
-          <p:cNvPr id="54" name="Rectangle 11"/>
+          <p:cNvPr id="53" name="Rectangle 11"/>
           <p:cNvSpPr/>
           <p:nvPr/>
         </p:nvSpPr>
         <p:spPr>
           <a:xfrm>
             <a:off x="3352680" y="3124080"/>
-            <a:ext cx="2514240" cy="2819160"/>
+            <a:ext cx="2513880" cy="2818800"/>
           </a:xfrm>
           <a:prstGeom prst="rect">
             <a:avLst/>
@@ -6709,7 +6559,7 @@
           <a:fontRef idx="minor"/>
         </p:style>
         <p:txBody>
-          <a:bodyPr anchor="t">
+          <a:bodyPr lIns="90000" rIns="90000" tIns="45000" bIns="45000" anchor="t">
             <a:noAutofit/>
           </a:bodyPr>
           <a:p>
@@ -6791,14 +6641,14 @@
       </p:sp>
       <p:sp>
         <p:nvSpPr>
-          <p:cNvPr id="55" name="Rectangle 12"/>
+          <p:cNvPr id="54" name="Rectangle 12"/>
           <p:cNvSpPr/>
           <p:nvPr/>
         </p:nvSpPr>
         <p:spPr>
           <a:xfrm>
             <a:off x="6019920" y="3124080"/>
-            <a:ext cx="2666880" cy="2819160"/>
+            <a:ext cx="2666520" cy="2818800"/>
           </a:xfrm>
           <a:prstGeom prst="rect">
             <a:avLst/>
@@ -6825,7 +6675,7 @@
           <a:fontRef idx="minor"/>
         </p:style>
         <p:txBody>
-          <a:bodyPr anchor="t">
+          <a:bodyPr lIns="90000" rIns="90000" tIns="45000" bIns="45000" anchor="t">
             <a:noAutofit/>
           </a:bodyPr>
           <a:p>
@@ -6852,7 +6702,7 @@
       </p:sp>
       <p:pic>
         <p:nvPicPr>
-          <p:cNvPr id="56" name="" descr=""/>
+          <p:cNvPr id="55" name="" descr=""/>
           <p:cNvPicPr/>
           <p:nvPr/>
         </p:nvPicPr>
@@ -6863,7 +6713,7 @@
         <p:spPr>
           <a:xfrm>
             <a:off x="691920" y="3200400"/>
-            <a:ext cx="2508480" cy="2514600"/>
+            <a:ext cx="2508120" cy="2514240"/>
           </a:xfrm>
           <a:prstGeom prst="rect">
             <a:avLst/>
